--- a/Jules.pptx
+++ b/Jules.pptx
@@ -4841,6 +4841,353 @@
           <a:chExt cx="0" cy="0"/>
         </a:xfrm>
       </p:grpSpPr>
+      <p:sp>
+        <p:nvSpPr>
+          <p:cNvPr id="2" name="TextBox 1">
+            <a:extLst>
+              <a:ext uri="{FF2B5EF4-FFF2-40B4-BE49-F238E27FC236}">
+                <a16:creationId xmlns:a16="http://schemas.microsoft.com/office/drawing/2014/main" id="{AC639DCE-7F3A-2258-A1DE-6FBEAF285E14}"/>
+              </a:ext>
+            </a:extLst>
+          </p:cNvPr>
+          <p:cNvSpPr txBox="1"/>
+          <p:nvPr/>
+        </p:nvSpPr>
+        <p:spPr>
+          <a:xfrm>
+            <a:off x="609600" y="443948"/>
+            <a:ext cx="10396330" cy="4832092"/>
+          </a:xfrm>
+          <a:prstGeom prst="rect">
+            <a:avLst/>
+          </a:prstGeom>
+          <a:noFill/>
+        </p:spPr>
+        <p:txBody>
+          <a:bodyPr wrap="square" rtlCol="0">
+            <a:spAutoFit/>
+          </a:bodyPr>
+          <a:lstStyle/>
+          <a:p>
+            <a:r>
+              <a:rPr lang="en-SG" sz="1400" b="1" dirty="0"/>
+              <a:t>What to use, when</a:t>
+            </a:r>
+          </a:p>
+          <a:p>
+            <a:r>
+              <a:rPr lang="en-SG" sz="1400" b="1" dirty="0"/>
+              <a:t>1) IDE copilots (primary engines)</a:t>
+            </a:r>
+          </a:p>
+          <a:p>
+            <a:r>
+              <a:rPr lang="en-SG" sz="1400" b="1" dirty="0"/>
+              <a:t>IntelliJ Copilot</a:t>
+            </a:r>
+            <a:r>
+              <a:rPr lang="en-SG" sz="1400" dirty="0"/>
+              <a:t> → best where you write </a:t>
+            </a:r>
+            <a:r>
+              <a:rPr lang="en-SG" sz="1400" b="1" dirty="0"/>
+              <a:t>Java/Spring</a:t>
+            </a:r>
+            <a:r>
+              <a:rPr lang="en-SG" sz="1400" dirty="0"/>
+              <a:t>; great refactors, gutter actions, test stubs.</a:t>
+            </a:r>
+          </a:p>
+          <a:p>
+            <a:r>
+              <a:rPr lang="en-SG" sz="1400" b="1" dirty="0"/>
+              <a:t>VS Code Copilot</a:t>
+            </a:r>
+            <a:r>
+              <a:rPr lang="en-SG" sz="1400" dirty="0"/>
+              <a:t> → best for </a:t>
+            </a:r>
+            <a:r>
+              <a:rPr lang="en-SG" sz="1400" b="1" dirty="0"/>
+              <a:t>TypeScript/</a:t>
+            </a:r>
+            <a:r>
+              <a:rPr lang="en-SG" sz="1400" b="1" dirty="0" err="1"/>
+              <a:t>NestJS</a:t>
+            </a:r>
+            <a:r>
+              <a:rPr lang="en-SG" sz="1400" b="1" dirty="0"/>
+              <a:t>/infra</a:t>
+            </a:r>
+            <a:r>
+              <a:rPr lang="en-SG" sz="1400" dirty="0"/>
+              <a:t>; Agent features and extensions are richer.</a:t>
+            </a:r>
+          </a:p>
+          <a:p>
+            <a:r>
+              <a:rPr lang="en-SG" sz="1400" dirty="0"/>
+              <a:t>Practical rule: </a:t>
+            </a:r>
+            <a:r>
+              <a:rPr lang="en-SG" sz="1400" b="1" dirty="0"/>
+              <a:t>Java/Kotlin in IntelliJ</a:t>
+            </a:r>
+            <a:r>
+              <a:rPr lang="en-SG" sz="1400" dirty="0"/>
+              <a:t>, </a:t>
+            </a:r>
+            <a:r>
+              <a:rPr lang="en-SG" sz="1400" b="1" dirty="0"/>
+              <a:t>TS/Node/Docker/Terraform in VS Code</a:t>
+            </a:r>
+            <a:r>
+              <a:rPr lang="en-SG" sz="1400" dirty="0"/>
+              <a:t>. Keep both enabled; context stays local to each IDE.</a:t>
+            </a:r>
+          </a:p>
+          <a:p>
+            <a:br>
+              <a:rPr lang="en-SG" sz="1400" b="1" dirty="0"/>
+            </a:br>
+            <a:r>
+              <a:rPr lang="en-SG" sz="1400" b="1" dirty="0"/>
+              <a:t>2) Jules (planning &amp; gates, not </a:t>
+            </a:r>
+            <a:r>
+              <a:rPr lang="en-SG" sz="1400" b="1" dirty="0" err="1"/>
+              <a:t>codegen</a:t>
+            </a:r>
+            <a:r>
+              <a:rPr lang="en-SG" sz="1400" b="1" dirty="0"/>
+              <a:t>)</a:t>
+            </a:r>
+          </a:p>
+          <a:p>
+            <a:r>
+              <a:rPr lang="en-SG" sz="1400" dirty="0"/>
+              <a:t>Use it to </a:t>
+            </a:r>
+            <a:r>
+              <a:rPr lang="en-SG" sz="1400" b="1" dirty="0"/>
+              <a:t>map requirements ↔ tasks </a:t>
+            </a:r>
+            <a:r>
+              <a:rPr lang="en-SG" sz="1400" dirty="0"/>
+              <a:t>, show coverage, and enforce </a:t>
+            </a:r>
+            <a:r>
+              <a:rPr lang="en-SG" sz="1400" b="1" dirty="0"/>
+              <a:t>go/no-go gates</a:t>
+            </a:r>
+            <a:r>
+              <a:rPr lang="en-SG" sz="1400" dirty="0"/>
+              <a:t> (tests, coverage, contract checks).</a:t>
+            </a:r>
+          </a:p>
+          <a:p>
+            <a:r>
+              <a:rPr lang="en-SG" sz="1400" dirty="0"/>
+              <a:t>Don’t rely on it to write code; rely on it to </a:t>
+            </a:r>
+            <a:r>
+              <a:rPr lang="en-SG" sz="1400" b="1" dirty="0"/>
+              <a:t>prove</a:t>
+            </a:r>
+            <a:r>
+              <a:rPr lang="en-SG" sz="1400" dirty="0"/>
+              <a:t> the migration is compliant.</a:t>
+            </a:r>
+          </a:p>
+          <a:p>
+            <a:br>
+              <a:rPr lang="en-SG" sz="1400" b="1" dirty="0"/>
+            </a:br>
+            <a:br>
+              <a:rPr lang="en-SG" sz="1400" b="1" dirty="0"/>
+            </a:br>
+            <a:r>
+              <a:rPr lang="en-SG" sz="1400" b="1" dirty="0"/>
+              <a:t>3) Minimal repo-RAG (your secret weapon)</a:t>
+            </a:r>
+          </a:p>
+          <a:p>
+            <a:r>
+              <a:rPr lang="en-SG" sz="1400" dirty="0"/>
+              <a:t>Add a </a:t>
+            </a:r>
+            <a:r>
+              <a:rPr lang="en-SG" sz="1400" b="1" dirty="0"/>
+              <a:t>lightweight, local RAG</a:t>
+            </a:r>
+            <a:r>
+              <a:rPr lang="en-SG" sz="1400" dirty="0"/>
+              <a:t> index over your repo + ADRs + APIs (e.g., Copilot + MCP server or </a:t>
+            </a:r>
+            <a:r>
+              <a:rPr lang="en-SG" sz="1400" dirty="0" err="1"/>
+              <a:t>Continue.dev</a:t>
+            </a:r>
+            <a:r>
+              <a:rPr lang="en-SG" sz="1400" dirty="0"/>
+              <a:t>).</a:t>
+            </a:r>
+          </a:p>
+          <a:p>
+            <a:r>
+              <a:rPr lang="en-SG" sz="1400" dirty="0"/>
+              <a:t>Purpose: let AI </a:t>
+            </a:r>
+            <a:r>
+              <a:rPr lang="en-SG" sz="1400" b="1" dirty="0"/>
+              <a:t>quote real files/lines</a:t>
+            </a:r>
+            <a:r>
+              <a:rPr lang="en-SG" sz="1400" dirty="0"/>
+              <a:t> so translations stay faithful (controllers, DTOs, Kafka headers).</a:t>
+            </a:r>
+          </a:p>
+          <a:p>
+            <a:r>
+              <a:rPr lang="en-SG" sz="1400" dirty="0"/>
+              <a:t>Keep it </a:t>
+            </a:r>
+            <a:r>
+              <a:rPr lang="en-SG" sz="1400" b="1" dirty="0"/>
+              <a:t>simple</a:t>
+            </a:r>
+            <a:r>
+              <a:rPr lang="en-SG" sz="1400" dirty="0"/>
+              <a:t>: embeddings + vector store; no need for </a:t>
+            </a:r>
+            <a:r>
+              <a:rPr lang="en-SG" sz="1400" dirty="0" err="1"/>
+              <a:t>LangChain</a:t>
+            </a:r>
+            <a:r>
+              <a:rPr lang="en-SG" sz="1400" dirty="0"/>
+              <a:t>/LangGraph unless you orchestrate multi-step jobs.</a:t>
+            </a:r>
+          </a:p>
+          <a:p>
+            <a:br>
+              <a:rPr lang="en-SG" sz="1400" b="1" dirty="0"/>
+            </a:br>
+            <a:br>
+              <a:rPr lang="en-SG" sz="1400" b="1" dirty="0"/>
+            </a:br>
+            <a:r>
+              <a:rPr lang="en-SG" sz="1400" b="1" dirty="0"/>
+              <a:t>4) Deterministic </a:t>
+            </a:r>
+            <a:r>
+              <a:rPr lang="en-SG" sz="1400" b="1" dirty="0" err="1"/>
+              <a:t>codemods</a:t>
+            </a:r>
+            <a:r>
+              <a:rPr lang="en-SG" sz="1400" b="1" dirty="0"/>
+              <a:t> first</a:t>
+            </a:r>
+          </a:p>
+          <a:p>
+            <a:r>
+              <a:rPr lang="en-SG" sz="1400" dirty="0"/>
+              <a:t>Use </a:t>
+            </a:r>
+            <a:r>
+              <a:rPr lang="en-SG" sz="1400" b="1" dirty="0"/>
+              <a:t>OpenRewrite</a:t>
+            </a:r>
+            <a:r>
+              <a:rPr lang="en-SG" sz="1400" dirty="0"/>
+              <a:t> (</a:t>
+            </a:r>
+            <a:r>
+              <a:rPr lang="en-SG" sz="1400" dirty="0" err="1"/>
+              <a:t>Java→Boot</a:t>
+            </a:r>
+            <a:r>
+              <a:rPr lang="en-SG" sz="1400" dirty="0"/>
+              <a:t> 3, </a:t>
+            </a:r>
+            <a:r>
+              <a:rPr lang="en-SG" sz="1400" dirty="0" err="1"/>
+              <a:t>javax→jakarta</a:t>
+            </a:r>
+            <a:r>
+              <a:rPr lang="en-SG" sz="1400" dirty="0"/>
+              <a:t>, </a:t>
+            </a:r>
+            <a:r>
+              <a:rPr lang="en-SG" sz="1400" dirty="0" err="1"/>
+              <a:t>RestTemplate→WebClient</a:t>
+            </a:r>
+            <a:r>
+              <a:rPr lang="en-SG" sz="1400" dirty="0"/>
+              <a:t>).</a:t>
+            </a:r>
+          </a:p>
+          <a:p>
+            <a:r>
+              <a:rPr lang="en-SG" sz="1400" dirty="0"/>
+              <a:t>Use </a:t>
+            </a:r>
+            <a:r>
+              <a:rPr lang="en-SG" sz="1400" b="1" dirty="0" err="1"/>
+              <a:t>jscodeshift</a:t>
+            </a:r>
+            <a:r>
+              <a:rPr lang="en-SG" sz="1400" b="1" dirty="0"/>
+              <a:t>/</a:t>
+            </a:r>
+            <a:r>
+              <a:rPr lang="en-SG" sz="1400" b="1" dirty="0" err="1"/>
+              <a:t>ts</a:t>
+            </a:r>
+            <a:r>
+              <a:rPr lang="en-SG" sz="1400" b="1" dirty="0"/>
+              <a:t>-morph</a:t>
+            </a:r>
+            <a:r>
+              <a:rPr lang="en-SG" sz="1400" dirty="0"/>
+              <a:t> to scaffold </a:t>
+            </a:r>
+            <a:r>
+              <a:rPr lang="en-SG" sz="1400" dirty="0" err="1"/>
+              <a:t>NestJS</a:t>
+            </a:r>
+            <a:r>
+              <a:rPr lang="en-SG" sz="1400" dirty="0"/>
+              <a:t> controllers/services from </a:t>
+            </a:r>
+            <a:r>
+              <a:rPr lang="en-SG" sz="1400" dirty="0" err="1"/>
+              <a:t>OpenAPI</a:t>
+            </a:r>
+            <a:r>
+              <a:rPr lang="en-SG" sz="1400" dirty="0"/>
+              <a:t>.</a:t>
+            </a:r>
+          </a:p>
+          <a:p>
+            <a:r>
+              <a:rPr lang="en-SG" sz="1400" dirty="0"/>
+              <a:t>Then let Copilot fill the </a:t>
+            </a:r>
+            <a:r>
+              <a:rPr lang="en-SG" sz="1400" b="1" dirty="0"/>
+              <a:t>business-logic gaps</a:t>
+            </a:r>
+            <a:r>
+              <a:rPr lang="en-SG" sz="1400" dirty="0"/>
+              <a:t> and tests.</a:t>
+            </a:r>
+          </a:p>
+          <a:p>
+            <a:endParaRPr lang="en-SG" sz="1400" dirty="0"/>
+          </a:p>
+        </p:txBody>
+      </p:sp>
     </p:spTree>
     <p:extLst>
       <p:ext uri="{BB962C8B-B14F-4D97-AF65-F5344CB8AC3E}">
